--- a/schematic.pptx
+++ b/schematic.pptx
@@ -4267,4 +4267,620 @@
     </a:ext>
   </a:extLst>
 </a:theme>
+</file>
+
+<file path=customXml/item1.xml><?xml version="1.0" encoding="utf-8"?>
+<ct:contentTypeSchema xmlns:ct="http://schemas.microsoft.com/office/2006/metadata/contentType" xmlns:ma="http://schemas.microsoft.com/office/2006/metadata/properties/metaAttributes" ct:_="" ma:_="" ma:contentTypeName="Generic document" ma:contentTypeID="0x01010031B82B69D2361148B4D8F7EC156802130800D4E53337B3C3C8479F14E6C3C178EDC3" ma:contentTypeVersion="42" ma:contentTypeDescription="Create a new document." ma:contentTypeScope="" ma:versionID="fa92520412c5e62b9fecc5940eabd588">
+  <xsd:schema xmlns:xsd="http://www.w3.org/2001/XMLSchema" xmlns:xs="http://www.w3.org/2001/XMLSchema" xmlns:p="http://schemas.microsoft.com/office/2006/metadata/properties" xmlns:ns2="8bbd4995-53b7-43e2-b62f-10947586ac31" xmlns:ns3="51ef53f4-53cf-455a-a73c-7ce64f02d576" xmlns:ns4="25cdcf0a-8353-4585-9591-d2c7ce38617f" targetNamespace="http://schemas.microsoft.com/office/2006/metadata/properties" ma:root="true" ma:fieldsID="164b20513604a2ac7e57499013dcb9a0" ns2:_="" ns3:_="" ns4:_="">
+    <xsd:import namespace="8bbd4995-53b7-43e2-b62f-10947586ac31"/>
+    <xsd:import namespace="51ef53f4-53cf-455a-a73c-7ce64f02d576"/>
+    <xsd:import namespace="25cdcf0a-8353-4585-9591-d2c7ce38617f"/>
+    <xsd:element name="properties">
+      <xsd:complexType>
+        <xsd:sequence>
+          <xsd:element name="documentManagement">
+            <xsd:complexType>
+              <xsd:all>
+                <xsd:element ref="ns2:ArchiveStatus" minOccurs="0"/>
+                <xsd:element ref="ns2:CorpWorkflowApproval" minOccurs="0"/>
+                <xsd:element ref="ns2:CorpWorkflowFeedback" minOccurs="0"/>
+                <xsd:element ref="ns2:CorpSiteProjectNumber" minOccurs="0"/>
+                <xsd:element ref="ns2:CorpSiteProjectName" minOccurs="0"/>
+                <xsd:element ref="ns2:CorpSiteSubTitle" minOccurs="0"/>
+                <xsd:element ref="ns2:CorpSiteAccess" minOccurs="0"/>
+                <xsd:element ref="ns2:CorpSiteClassification" minOccurs="0"/>
+                <xsd:element ref="ns2:CorpSiteTags" minOccurs="0"/>
+                <xsd:element ref="ns2:CorpSiteProjectQA" minOccurs="0"/>
+                <xsd:element ref="ns2:CorpSiteProjectOwner" minOccurs="0"/>
+                <xsd:element ref="ns2:CorpSiteProjectLeader" minOccurs="0"/>
+                <xsd:element ref="ns2:CorpSiteReportNumber" minOccurs="0"/>
+                <xsd:element ref="ns2:CorpSiteISBN" minOccurs="0"/>
+                <xsd:element ref="ns2:CorpSiteCoAuthors" minOccurs="0"/>
+                <xsd:element ref="ns2:CorpSiteRecipientCompany" minOccurs="0"/>
+                <xsd:element ref="ns2:CorpSiteRecipientPerson" minOccurs="0"/>
+                <xsd:element ref="ns2:CorpSiteOurRef" minOccurs="0"/>
+                <xsd:element ref="ns2:CorpSiteDocumentAuthor" minOccurs="0"/>
+                <xsd:element ref="ns2:CorpSiteZipAddress" minOccurs="0"/>
+                <xsd:element ref="ns2:CorpSiteZipContact" minOccurs="0"/>
+                <xsd:element ref="ns2:CorpSiteVATNumber" minOccurs="0"/>
+                <xsd:element ref="ns3:CorpSiteInstitute" minOccurs="0"/>
+                <xsd:element ref="ns2:CorpSiteInstituteEmail" minOccurs="0"/>
+                <xsd:element ref="ns4:MediaServiceMetadata" minOccurs="0"/>
+                <xsd:element ref="ns4:MediaServiceFastMetadata" minOccurs="0"/>
+                <xsd:element ref="ns4:MediaServiceDateTaken" minOccurs="0"/>
+                <xsd:element ref="ns3:SharedWithUsers" minOccurs="0"/>
+                <xsd:element ref="ns3:SharedWithDetails" minOccurs="0"/>
+                <xsd:element ref="ns2:CorpDocPageClassificationNbNo" minOccurs="0"/>
+                <xsd:element ref="ns2:CorpDocClassificationEnUs" minOccurs="0"/>
+                <xsd:element ref="ns2:CorpDocPageClassificationEnUs" minOccurs="0"/>
+                <xsd:element ref="ns2:CorpSiteInstituteEnUs" minOccurs="0"/>
+                <xsd:element ref="ns2:CorpSiteInstitutePhone" minOccurs="0"/>
+                <xsd:element ref="ns2:CorpSiteDocLanguage" minOccurs="0"/>
+                <xsd:element ref="ns2:CorpDocInstitute" minOccurs="0"/>
+                <xsd:element ref="ns2:CorpDocClassificationNbNo" minOccurs="0"/>
+                <xsd:element ref="ns2:CorpDocVersion" minOccurs="0"/>
+                <xsd:element ref="ns4:MediaServiceAutoTags" minOccurs="0"/>
+                <xsd:element ref="ns4:MediaServiceLocation" minOccurs="0"/>
+                <xsd:element ref="ns4:MediaServiceOCR" minOccurs="0"/>
+              </xsd:all>
+            </xsd:complexType>
+          </xsd:element>
+        </xsd:sequence>
+      </xsd:complexType>
+    </xsd:element>
+  </xsd:schema>
+  <xsd:schema xmlns:xsd="http://www.w3.org/2001/XMLSchema" xmlns:xs="http://www.w3.org/2001/XMLSchema" xmlns:dms="http://schemas.microsoft.com/office/2006/documentManagement/types" xmlns:pc="http://schemas.microsoft.com/office/infopath/2007/PartnerControls" targetNamespace="8bbd4995-53b7-43e2-b62f-10947586ac31" elementFormDefault="qualified">
+    <xsd:import namespace="http://schemas.microsoft.com/office/2006/documentManagement/types"/>
+    <xsd:import namespace="http://schemas.microsoft.com/office/infopath/2007/PartnerControls"/>
+    <xsd:element name="ArchiveStatus" ma:index="8" nillable="true" ma:displayName="Archive status" ma:internalName="ArchiveStatus">
+      <xsd:simpleType>
+        <xsd:restriction base="dms:Text">
+          <xsd:maxLength value="255"/>
+        </xsd:restriction>
+      </xsd:simpleType>
+    </xsd:element>
+    <xsd:element name="CorpWorkflowApproval" ma:index="9" nillable="true" ma:displayName="Approval" ma:internalName="CorpWorkflowApproval">
+      <xsd:simpleType>
+        <xsd:restriction base="dms:Text">
+          <xsd:maxLength value="255"/>
+        </xsd:restriction>
+      </xsd:simpleType>
+    </xsd:element>
+    <xsd:element name="CorpWorkflowFeedback" ma:index="10" nillable="true" ma:displayName="Review" ma:internalName="CorpWorkflowFeedback">
+      <xsd:simpleType>
+        <xsd:restriction base="dms:Text">
+          <xsd:maxLength value="255"/>
+        </xsd:restriction>
+      </xsd:simpleType>
+    </xsd:element>
+    <xsd:element name="CorpSiteProjectNumber" ma:index="11" nillable="true" ma:displayName="Project number" ma:default="" ma:internalName="CorpSiteProjectNumber">
+      <xsd:simpleType>
+        <xsd:restriction base="dms:Text">
+          <xsd:maxLength value="255"/>
+        </xsd:restriction>
+      </xsd:simpleType>
+    </xsd:element>
+    <xsd:element name="CorpSiteProjectName" ma:index="12" nillable="true" ma:displayName="Project name" ma:internalName="CorpSiteProjectName">
+      <xsd:simpleType>
+        <xsd:restriction base="dms:Text">
+          <xsd:maxLength value="255"/>
+        </xsd:restriction>
+      </xsd:simpleType>
+    </xsd:element>
+    <xsd:element name="CorpSiteSubTitle" ma:index="13" nillable="true" ma:displayName="Sub Title" ma:internalName="CorpSiteSubTitle">
+      <xsd:simpleType>
+        <xsd:restriction base="dms:Text">
+          <xsd:maxLength value="255"/>
+        </xsd:restriction>
+      </xsd:simpleType>
+    </xsd:element>
+    <xsd:element name="CorpSiteAccess" ma:index="14" nillable="true" ma:displayName="Access level" ma:default="Kun navngitte medlemmer" ma:format="Dropdown" ma:internalName="CorpSiteAccess">
+      <xsd:simpleType>
+        <xsd:restriction base="dms:Choice">
+          <xsd:enumeration value="Kun navngitte medlemmer"/>
+          <xsd:enumeration value="SINTEF"/>
+          <xsd:enumeration value="Institutt"/>
+          <xsd:enumeration value="Avdeling"/>
+          <xsd:maxLength value="255"/>
+        </xsd:restriction>
+      </xsd:simpleType>
+    </xsd:element>
+    <xsd:element name="CorpSiteClassification" ma:index="15" nillable="true" ma:displayName="Classification" ma:default="Åpen" ma:internalName="CorpSiteClassification">
+      <xsd:simpleType>
+        <xsd:restriction base="dms:Choice">
+          <xsd:enumeration value="Åpen"/>
+          <xsd:enumeration value="Fortrolig"/>
+          <xsd:enumeration value="Strengt fortrolig"/>
+          <xsd:maxLength value="255"/>
+        </xsd:restriction>
+      </xsd:simpleType>
+    </xsd:element>
+    <xsd:element name="CorpSiteTags" ma:index="16" nillable="true" ma:displayName="Tags" ma:internalName="CorpSiteTags">
+      <xsd:simpleType>
+        <xsd:restriction base="dms:Text">
+          <xsd:maxLength value="255"/>
+        </xsd:restriction>
+      </xsd:simpleType>
+    </xsd:element>
+    <xsd:element name="CorpSiteProjectQA" ma:index="17" nillable="true" ma:displayName="QA" ma:list="UserInfo" ma:SharePointGroup="0" ma:internalName="CorpSiteProjectQA" ma:showField="ImnName">
+      <xsd:complexType>
+        <xsd:complexContent>
+          <xsd:extension base="dms:User">
+            <xsd:sequence>
+              <xsd:element name="UserInfo" minOccurs="0" maxOccurs="unbounded">
+                <xsd:complexType>
+                  <xsd:sequence>
+                    <xsd:element name="DisplayName" type="xsd:string" minOccurs="0"/>
+                    <xsd:element name="AccountId" type="dms:UserId" minOccurs="0" nillable="true"/>
+                    <xsd:element name="AccountType" type="xsd:string" minOccurs="0"/>
+                  </xsd:sequence>
+                </xsd:complexType>
+              </xsd:element>
+            </xsd:sequence>
+          </xsd:extension>
+        </xsd:complexContent>
+      </xsd:complexType>
+    </xsd:element>
+    <xsd:element name="CorpSiteProjectOwner" ma:index="18" nillable="true" ma:displayName="Project owner" ma:list="UserInfo" ma:SharePointGroup="0" ma:internalName="CorpSiteProjectOwner" ma:showField="ImnName">
+      <xsd:complexType>
+        <xsd:complexContent>
+          <xsd:extension base="dms:User">
+            <xsd:sequence>
+              <xsd:element name="UserInfo" minOccurs="0" maxOccurs="unbounded">
+                <xsd:complexType>
+                  <xsd:sequence>
+                    <xsd:element name="DisplayName" type="xsd:string" minOccurs="0"/>
+                    <xsd:element name="AccountId" type="dms:UserId" minOccurs="0" nillable="true"/>
+                    <xsd:element name="AccountType" type="xsd:string" minOccurs="0"/>
+                  </xsd:sequence>
+                </xsd:complexType>
+              </xsd:element>
+            </xsd:sequence>
+          </xsd:extension>
+        </xsd:complexContent>
+      </xsd:complexType>
+    </xsd:element>
+    <xsd:element name="CorpSiteProjectLeader" ma:index="19" nillable="true" ma:displayName="Project leader" ma:list="UserInfo" ma:SharePointGroup="0" ma:internalName="CorpSiteProjectLeader" ma:showField="ImnName">
+      <xsd:complexType>
+        <xsd:complexContent>
+          <xsd:extension base="dms:User">
+            <xsd:sequence>
+              <xsd:element name="UserInfo" minOccurs="0" maxOccurs="unbounded">
+                <xsd:complexType>
+                  <xsd:sequence>
+                    <xsd:element name="DisplayName" type="xsd:string" minOccurs="0"/>
+                    <xsd:element name="AccountId" type="dms:UserId" minOccurs="0" nillable="true"/>
+                    <xsd:element name="AccountType" type="xsd:string" minOccurs="0"/>
+                  </xsd:sequence>
+                </xsd:complexType>
+              </xsd:element>
+            </xsd:sequence>
+          </xsd:extension>
+        </xsd:complexContent>
+      </xsd:complexType>
+    </xsd:element>
+    <xsd:element name="CorpSiteReportNumber" ma:index="20" nillable="true" ma:displayName="Report number" ma:internalName="CorpSiteReportNumber">
+      <xsd:simpleType>
+        <xsd:restriction base="dms:Text">
+          <xsd:maxLength value="255"/>
+        </xsd:restriction>
+      </xsd:simpleType>
+    </xsd:element>
+    <xsd:element name="CorpSiteISBN" ma:index="21" nillable="true" ma:displayName="ISBN" ma:internalName="CorpSiteISBN">
+      <xsd:simpleType>
+        <xsd:restriction base="dms:Text">
+          <xsd:maxLength value="255"/>
+        </xsd:restriction>
+      </xsd:simpleType>
+    </xsd:element>
+    <xsd:element name="CorpSiteCoAuthors" ma:index="22" nillable="true" ma:displayName="Co Authors" ma:internalName="CorpSiteCoAuthors">
+      <xsd:simpleType>
+        <xsd:restriction base="dms:Text">
+          <xsd:maxLength value="255"/>
+        </xsd:restriction>
+      </xsd:simpleType>
+    </xsd:element>
+    <xsd:element name="CorpSiteRecipientCompany" ma:index="23" nillable="true" ma:displayName="Recipient company" ma:internalName="CorpSiteRecipientCompany">
+      <xsd:simpleType>
+        <xsd:restriction base="dms:Text">
+          <xsd:maxLength value="255"/>
+        </xsd:restriction>
+      </xsd:simpleType>
+    </xsd:element>
+    <xsd:element name="CorpSiteRecipientPerson" ma:index="24" nillable="true" ma:displayName="Recipient person" ma:internalName="CorpSiteRecipientPerson">
+      <xsd:simpleType>
+        <xsd:restriction base="dms:Text">
+          <xsd:maxLength value="255"/>
+        </xsd:restriction>
+      </xsd:simpleType>
+    </xsd:element>
+    <xsd:element name="CorpSiteOurRef" ma:index="25" nillable="true" ma:displayName="Our ref" ma:internalName="CorpSiteOurRef">
+      <xsd:simpleType>
+        <xsd:restriction base="dms:Text">
+          <xsd:maxLength value="255"/>
+        </xsd:restriction>
+      </xsd:simpleType>
+    </xsd:element>
+    <xsd:element name="CorpSiteDocumentAuthor" ma:index="26" nillable="true" ma:displayName="Document Author" ma:internalName="CorpSiteDocumentAuthor">
+      <xsd:complexType>
+        <xsd:complexContent>
+          <xsd:extension base="dms:User">
+            <xsd:sequence>
+              <xsd:element name="UserInfo" minOccurs="0" maxOccurs="unbounded">
+                <xsd:complexType>
+                  <xsd:sequence>
+                    <xsd:element name="DisplayName" type="xsd:string" minOccurs="0"/>
+                    <xsd:element name="AccountId" type="dms:UserId" minOccurs="0" nillable="true"/>
+                    <xsd:element name="AccountType" type="xsd:string" minOccurs="0"/>
+                  </xsd:sequence>
+                </xsd:complexType>
+              </xsd:element>
+            </xsd:sequence>
+          </xsd:extension>
+        </xsd:complexContent>
+      </xsd:complexType>
+    </xsd:element>
+    <xsd:element name="CorpSiteZipAddress" ma:index="27" nillable="true" ma:displayName="Address" ma:internalName="CorpSiteZipAddress">
+      <xsd:simpleType>
+        <xsd:restriction base="dms:Note">
+          <xsd:maxLength value="255"/>
+        </xsd:restriction>
+      </xsd:simpleType>
+    </xsd:element>
+    <xsd:element name="CorpSiteZipContact" ma:index="28" nillable="true" ma:displayName="Contact" ma:internalName="CorpSiteZipContact">
+      <xsd:simpleType>
+        <xsd:restriction base="dms:Note">
+          <xsd:maxLength value="255"/>
+        </xsd:restriction>
+      </xsd:simpleType>
+    </xsd:element>
+    <xsd:element name="CorpSiteVATNumber" ma:index="29" nillable="true" ma:displayName="VAT number" ma:internalName="CorpSiteVATNumber">
+      <xsd:simpleType>
+        <xsd:restriction base="dms:Text">
+          <xsd:maxLength value="255"/>
+        </xsd:restriction>
+      </xsd:simpleType>
+    </xsd:element>
+    <xsd:element name="CorpSiteInstituteEmail" ma:index="31" nillable="true" ma:displayName="Email institute" ma:internalName="CorpSiteInstituteEmail">
+      <xsd:simpleType>
+        <xsd:restriction base="dms:Text">
+          <xsd:maxLength value="255"/>
+        </xsd:restriction>
+      </xsd:simpleType>
+    </xsd:element>
+    <xsd:element name="CorpDocPageClassificationNbNo" ma:index="37" nillable="true" ma:displayName="Gradering Denne Siden" ma:default="Åpen" ma:internalName="CorpDocPageClassificationNbNo">
+      <xsd:simpleType>
+        <xsd:restriction base="dms:Choice">
+          <xsd:enumeration value="Åpen"/>
+          <xsd:enumeration value="Intern"/>
+          <xsd:enumeration value="Fortrolig"/>
+          <xsd:enumeration value="Strengt fortrolig"/>
+          <xsd:maxLength value="255"/>
+        </xsd:restriction>
+      </xsd:simpleType>
+    </xsd:element>
+    <xsd:element name="CorpDocClassificationEnUs" ma:index="38" nillable="true" ma:displayName="Classification" ma:default="Unrestricted" ma:internalName="CorpDocClassificationEnUs">
+      <xsd:simpleType>
+        <xsd:restriction base="dms:Choice">
+          <xsd:enumeration value="Unrestricted"/>
+          <xsd:enumeration value="Internal"/>
+          <xsd:enumeration value="Restricted"/>
+          <xsd:enumeration value="Confidential"/>
+          <xsd:maxLength value="255"/>
+        </xsd:restriction>
+      </xsd:simpleType>
+    </xsd:element>
+    <xsd:element name="CorpDocPageClassificationEnUs" ma:index="39" nillable="true" ma:displayName="Classification This Page" ma:default="Unrestricted" ma:internalName="CorpDocPageClassificationEnUs">
+      <xsd:simpleType>
+        <xsd:restriction base="dms:Choice">
+          <xsd:enumeration value="Unrestricted"/>
+          <xsd:enumeration value="Internal"/>
+          <xsd:enumeration value="Restricted"/>
+          <xsd:enumeration value="Confidential"/>
+          <xsd:maxLength value="255"/>
+        </xsd:restriction>
+      </xsd:simpleType>
+    </xsd:element>
+    <xsd:element name="CorpSiteInstituteEnUs" ma:index="40" nillable="true" ma:displayName="InstituteEng" ma:internalName="CorpSiteInstituteEnUs">
+      <xsd:simpleType>
+        <xsd:restriction base="dms:Text">
+          <xsd:maxLength value="255"/>
+        </xsd:restriction>
+      </xsd:simpleType>
+    </xsd:element>
+    <xsd:element name="CorpSiteInstitutePhone" ma:index="41" nillable="true" ma:displayName="Institute phone" ma:internalName="CorpSiteInstitutePhone">
+      <xsd:simpleType>
+        <xsd:restriction base="dms:Text">
+          <xsd:maxLength value="255"/>
+        </xsd:restriction>
+      </xsd:simpleType>
+    </xsd:element>
+    <xsd:element name="CorpSiteDocLanguage" ma:index="42" nillable="true" ma:displayName="Language" ma:internalName="CorpSiteDocLanguage">
+      <xsd:simpleType>
+        <xsd:restriction base="dms:Text">
+          <xsd:maxLength value="255"/>
+        </xsd:restriction>
+      </xsd:simpleType>
+    </xsd:element>
+    <xsd:element name="CorpDocInstitute" ma:index="43" nillable="true" ma:displayName="Institute" ma:internalName="CorpDocInstitute">
+      <xsd:simpleType>
+        <xsd:restriction base="dms:Text">
+          <xsd:maxLength value="255"/>
+        </xsd:restriction>
+      </xsd:simpleType>
+    </xsd:element>
+    <xsd:element name="CorpDocClassificationNbNo" ma:index="44" nillable="true" ma:displayName="Gradering" ma:default="Åpen" ma:internalName="CorpDocClassificationNbNo">
+      <xsd:simpleType>
+        <xsd:restriction base="dms:Choice">
+          <xsd:enumeration value="Åpen"/>
+          <xsd:enumeration value="Intern"/>
+          <xsd:enumeration value="Fortrolig"/>
+          <xsd:enumeration value="Strengt fortrolig"/>
+          <xsd:maxLength value="255"/>
+        </xsd:restriction>
+      </xsd:simpleType>
+    </xsd:element>
+    <xsd:element name="CorpDocVersion" ma:index="45" nillable="true" ma:displayName="Version" ma:internalName="CorpDocVersion">
+      <xsd:simpleType>
+        <xsd:restriction base="dms:Text">
+          <xsd:maxLength value="255"/>
+        </xsd:restriction>
+      </xsd:simpleType>
+    </xsd:element>
+  </xsd:schema>
+  <xsd:schema xmlns:xsd="http://www.w3.org/2001/XMLSchema" xmlns:xs="http://www.w3.org/2001/XMLSchema" xmlns:dms="http://schemas.microsoft.com/office/2006/documentManagement/types" xmlns:pc="http://schemas.microsoft.com/office/infopath/2007/PartnerControls" targetNamespace="51ef53f4-53cf-455a-a73c-7ce64f02d576" elementFormDefault="qualified">
+    <xsd:import namespace="http://schemas.microsoft.com/office/2006/documentManagement/types"/>
+    <xsd:import namespace="http://schemas.microsoft.com/office/infopath/2007/PartnerControls"/>
+    <xsd:element name="CorpSiteInstitute" ma:index="30" nillable="true" ma:displayName="Institutt" ma:internalName="CorpSiteInstitute">
+      <xsd:simpleType>
+        <xsd:restriction base="dms:Text">
+          <xsd:maxLength value="255"/>
+        </xsd:restriction>
+      </xsd:simpleType>
+    </xsd:element>
+    <xsd:element name="SharedWithUsers" ma:index="35" nillable="true" ma:displayName="Shared With" ma:internalName="SharedWithUsers" ma:readOnly="true">
+      <xsd:complexType>
+        <xsd:complexContent>
+          <xsd:extension base="dms:UserMulti">
+            <xsd:sequence>
+              <xsd:element name="UserInfo" minOccurs="0" maxOccurs="unbounded">
+                <xsd:complexType>
+                  <xsd:sequence>
+                    <xsd:element name="DisplayName" type="xsd:string" minOccurs="0"/>
+                    <xsd:element name="AccountId" type="dms:UserId" minOccurs="0" nillable="true"/>
+                    <xsd:element name="AccountType" type="xsd:string" minOccurs="0"/>
+                  </xsd:sequence>
+                </xsd:complexType>
+              </xsd:element>
+            </xsd:sequence>
+          </xsd:extension>
+        </xsd:complexContent>
+      </xsd:complexType>
+    </xsd:element>
+    <xsd:element name="SharedWithDetails" ma:index="36" nillable="true" ma:displayName="Shared With Details" ma:internalName="SharedWithDetails" ma:readOnly="true">
+      <xsd:simpleType>
+        <xsd:restriction base="dms:Note">
+          <xsd:maxLength value="255"/>
+        </xsd:restriction>
+      </xsd:simpleType>
+    </xsd:element>
+  </xsd:schema>
+  <xsd:schema xmlns:xsd="http://www.w3.org/2001/XMLSchema" xmlns:xs="http://www.w3.org/2001/XMLSchema" xmlns:dms="http://schemas.microsoft.com/office/2006/documentManagement/types" xmlns:pc="http://schemas.microsoft.com/office/infopath/2007/PartnerControls" targetNamespace="25cdcf0a-8353-4585-9591-d2c7ce38617f" elementFormDefault="qualified">
+    <xsd:import namespace="http://schemas.microsoft.com/office/2006/documentManagement/types"/>
+    <xsd:import namespace="http://schemas.microsoft.com/office/infopath/2007/PartnerControls"/>
+    <xsd:element name="MediaServiceMetadata" ma:index="32" nillable="true" ma:displayName="MediaServiceMetadata" ma:hidden="true" ma:internalName="MediaServiceMetadata" ma:readOnly="true">
+      <xsd:simpleType>
+        <xsd:restriction base="dms:Note"/>
+      </xsd:simpleType>
+    </xsd:element>
+    <xsd:element name="MediaServiceFastMetadata" ma:index="33" nillable="true" ma:displayName="MediaServiceFastMetadata" ma:hidden="true" ma:internalName="MediaServiceFastMetadata" ma:readOnly="true">
+      <xsd:simpleType>
+        <xsd:restriction base="dms:Note"/>
+      </xsd:simpleType>
+    </xsd:element>
+    <xsd:element name="MediaServiceDateTaken" ma:index="34" nillable="true" ma:displayName="MediaServiceDateTaken" ma:hidden="true" ma:internalName="MediaServiceDateTaken" ma:readOnly="true">
+      <xsd:simpleType>
+        <xsd:restriction base="dms:Text"/>
+      </xsd:simpleType>
+    </xsd:element>
+    <xsd:element name="MediaServiceAutoTags" ma:index="46" nillable="true" ma:displayName="MediaServiceAutoTags" ma:internalName="MediaServiceAutoTags" ma:readOnly="true">
+      <xsd:simpleType>
+        <xsd:restriction base="dms:Text"/>
+      </xsd:simpleType>
+    </xsd:element>
+    <xsd:element name="MediaServiceLocation" ma:index="47" nillable="true" ma:displayName="MediaServiceLocation" ma:internalName="MediaServiceLocation" ma:readOnly="true">
+      <xsd:simpleType>
+        <xsd:restriction base="dms:Text"/>
+      </xsd:simpleType>
+    </xsd:element>
+    <xsd:element name="MediaServiceOCR" ma:index="48" nillable="true" ma:displayName="MediaServiceOCR" ma:internalName="MediaServiceOCR" ma:readOnly="true">
+      <xsd:simpleType>
+        <xsd:restriction base="dms:Note">
+          <xsd:maxLength value="255"/>
+        </xsd:restriction>
+      </xsd:simpleType>
+    </xsd:element>
+  </xsd:schema>
+  <xsd:schema xmlns="http://schemas.openxmlformats.org/package/2006/metadata/core-properties" xmlns:xsd="http://www.w3.org/2001/XMLSchema" xmlns:xsi="http://www.w3.org/2001/XMLSchema-instance" xmlns:dc="http://purl.org/dc/elements/1.1/" xmlns:dcterms="http://purl.org/dc/terms/" xmlns:odoc="http://schemas.microsoft.com/internal/obd" targetNamespace="http://schemas.openxmlformats.org/package/2006/metadata/core-properties" elementFormDefault="qualified" attributeFormDefault="unqualified" blockDefault="#all">
+    <xsd:import namespace="http://purl.org/dc/elements/1.1/" schemaLocation="http://dublincore.org/schemas/xmls/qdc/2003/04/02/dc.xsd"/>
+    <xsd:import namespace="http://purl.org/dc/terms/" schemaLocation="http://dublincore.org/schemas/xmls/qdc/2003/04/02/dcterms.xsd"/>
+    <xsd:element name="coreProperties" type="CT_coreProperties"/>
+    <xsd:complexType name="CT_coreProperties">
+      <xsd:all>
+        <xsd:element ref="dc:creator" minOccurs="0" maxOccurs="1"/>
+        <xsd:element ref="dcterms:created" minOccurs="0" maxOccurs="1"/>
+        <xsd:element ref="dc:identifier" minOccurs="0" maxOccurs="1"/>
+        <xsd:element name="contentType" minOccurs="0" maxOccurs="1" type="xsd:string" ma:index="0" ma:displayName="Content Type"/>
+        <xsd:element ref="dc:title" minOccurs="0" maxOccurs="1" ma:index="4" ma:displayName="Title"/>
+        <xsd:element ref="dc:subject" minOccurs="0" maxOccurs="1"/>
+        <xsd:element ref="dc:description" minOccurs="0" maxOccurs="1"/>
+        <xsd:element name="keywords" minOccurs="0" maxOccurs="1" type="xsd:string"/>
+        <xsd:element ref="dc:language" minOccurs="0" maxOccurs="1"/>
+        <xsd:element name="category" minOccurs="0" maxOccurs="1" type="xsd:string"/>
+        <xsd:element name="version" minOccurs="0" maxOccurs="1" type="xsd:string"/>
+        <xsd:element name="revision" minOccurs="0" maxOccurs="1" type="xsd:string">
+          <xsd:annotation>
+            <xsd:documentation>
+                        This value indicates the number of saves or revisions. The application is responsible for updating this value after each revision.
+                    </xsd:documentation>
+          </xsd:annotation>
+        </xsd:element>
+        <xsd:element name="lastModifiedBy" minOccurs="0" maxOccurs="1" type="xsd:string"/>
+        <xsd:element ref="dcterms:modified" minOccurs="0" maxOccurs="1"/>
+        <xsd:element name="contentStatus" minOccurs="0" maxOccurs="1" type="xsd:string"/>
+      </xsd:all>
+    </xsd:complexType>
+  </xsd:schema>
+  <xs:schema xmlns:pc="http://schemas.microsoft.com/office/infopath/2007/PartnerControls" xmlns:xs="http://www.w3.org/2001/XMLSchema" targetNamespace="http://schemas.microsoft.com/office/infopath/2007/PartnerControls" elementFormDefault="qualified" attributeFormDefault="unqualified">
+    <xs:element name="Person">
+      <xs:complexType>
+        <xs:sequence>
+          <xs:element ref="pc:DisplayName" minOccurs="0"/>
+          <xs:element ref="pc:AccountId" minOccurs="0"/>
+          <xs:element ref="pc:AccountType" minOccurs="0"/>
+        </xs:sequence>
+      </xs:complexType>
+    </xs:element>
+    <xs:element name="DisplayName" type="xs:string"/>
+    <xs:element name="AccountId" type="xs:string"/>
+    <xs:element name="AccountType" type="xs:string"/>
+    <xs:element name="BDCAssociatedEntity">
+      <xs:complexType>
+        <xs:sequence>
+          <xs:element ref="pc:BDCEntity" minOccurs="0" maxOccurs="unbounded"/>
+        </xs:sequence>
+        <xs:attribute ref="pc:EntityNamespace"/>
+        <xs:attribute ref="pc:EntityName"/>
+        <xs:attribute ref="pc:SystemInstanceName"/>
+        <xs:attribute ref="pc:AssociationName"/>
+      </xs:complexType>
+    </xs:element>
+    <xs:attribute name="EntityNamespace" type="xs:string"/>
+    <xs:attribute name="EntityName" type="xs:string"/>
+    <xs:attribute name="SystemInstanceName" type="xs:string"/>
+    <xs:attribute name="AssociationName" type="xs:string"/>
+    <xs:element name="BDCEntity">
+      <xs:complexType>
+        <xs:sequence>
+          <xs:element ref="pc:EntityDisplayName" minOccurs="0"/>
+          <xs:element ref="pc:EntityInstanceReference" minOccurs="0"/>
+          <xs:element ref="pc:EntityId1" minOccurs="0"/>
+          <xs:element ref="pc:EntityId2" minOccurs="0"/>
+          <xs:element ref="pc:EntityId3" minOccurs="0"/>
+          <xs:element ref="pc:EntityId4" minOccurs="0"/>
+          <xs:element ref="pc:EntityId5" minOccurs="0"/>
+        </xs:sequence>
+      </xs:complexType>
+    </xs:element>
+    <xs:element name="EntityDisplayName" type="xs:string"/>
+    <xs:element name="EntityInstanceReference" type="xs:string"/>
+    <xs:element name="EntityId1" type="xs:string"/>
+    <xs:element name="EntityId2" type="xs:string"/>
+    <xs:element name="EntityId3" type="xs:string"/>
+    <xs:element name="EntityId4" type="xs:string"/>
+    <xs:element name="EntityId5" type="xs:string"/>
+    <xs:element name="Terms">
+      <xs:complexType>
+        <xs:sequence>
+          <xs:element ref="pc:TermInfo" minOccurs="0" maxOccurs="unbounded"/>
+        </xs:sequence>
+      </xs:complexType>
+    </xs:element>
+    <xs:element name="TermInfo">
+      <xs:complexType>
+        <xs:sequence>
+          <xs:element ref="pc:TermName" minOccurs="0"/>
+          <xs:element ref="pc:TermId" minOccurs="0"/>
+        </xs:sequence>
+      </xs:complexType>
+    </xs:element>
+    <xs:element name="TermName" type="xs:string"/>
+    <xs:element name="TermId" type="xs:string"/>
+  </xs:schema>
+</ct:contentTypeSchema>
+</file>
+
+<file path=customXml/item2.xml><?xml version="1.0" encoding="utf-8"?>
+<?mso-contentType ?>
+<FormTemplates xmlns="http://schemas.microsoft.com/sharepoint/v3/contenttype/forms">
+  <Display>DocumentLibraryForm</Display>
+  <Edit>DocumentLibraryForm</Edit>
+  <New>DocumentLibraryForm</New>
+</FormTemplates>
+</file>
+
+<file path=customXml/item3.xml><?xml version="1.0" encoding="utf-8"?>
+<p:properties xmlns:p="http://schemas.microsoft.com/office/2006/metadata/properties" xmlns:xsi="http://www.w3.org/2001/XMLSchema-instance" xmlns:pc="http://schemas.microsoft.com/office/infopath/2007/PartnerControls">
+  <documentManagement>
+    <CorpSiteZipContact xmlns="8bbd4995-53b7-43e2-b62f-10947586ac31" xsi:nil="true"/>
+    <CorpSiteProjectLeader xmlns="8bbd4995-53b7-43e2-b62f-10947586ac31">
+      <UserInfo>
+        <DisplayName/>
+        <AccountId xsi:nil="true"/>
+        <AccountType/>
+      </UserInfo>
+    </CorpSiteProjectLeader>
+    <CorpSiteSubTitle xmlns="8bbd4995-53b7-43e2-b62f-10947586ac31" xsi:nil="true"/>
+    <CorpSiteTags xmlns="8bbd4995-53b7-43e2-b62f-10947586ac31" xsi:nil="true"/>
+    <CorpSiteISBN xmlns="8bbd4995-53b7-43e2-b62f-10947586ac31" xsi:nil="true"/>
+    <CorpWorkflowFeedback xmlns="8bbd4995-53b7-43e2-b62f-10947586ac31" xsi:nil="true"/>
+    <CorpSiteAccess xmlns="8bbd4995-53b7-43e2-b62f-10947586ac31">Kun navngitte medlemmer</CorpSiteAccess>
+    <CorpSiteRecipientPerson xmlns="8bbd4995-53b7-43e2-b62f-10947586ac31" xsi:nil="true"/>
+    <CorpSiteProjectNumber xmlns="8bbd4995-53b7-43e2-b62f-10947586ac31" xsi:nil="true"/>
+    <CorpSiteProjectName xmlns="8bbd4995-53b7-43e2-b62f-10947586ac31" xsi:nil="true"/>
+    <CorpDocInstitute xmlns="8bbd4995-53b7-43e2-b62f-10947586ac31" xsi:nil="true"/>
+    <CorpSiteInstitutePhone xmlns="8bbd4995-53b7-43e2-b62f-10947586ac31" xsi:nil="true"/>
+    <CorpSiteProjectOwner xmlns="8bbd4995-53b7-43e2-b62f-10947586ac31">
+      <UserInfo>
+        <DisplayName/>
+        <AccountId xsi:nil="true"/>
+        <AccountType/>
+      </UserInfo>
+    </CorpSiteProjectOwner>
+    <CorpDocPageClassificationNbNo xmlns="8bbd4995-53b7-43e2-b62f-10947586ac31">Åpen</CorpDocPageClassificationNbNo>
+    <CorpDocClassificationEnUs xmlns="8bbd4995-53b7-43e2-b62f-10947586ac31">Unrestricted</CorpDocClassificationEnUs>
+    <CorpDocClassificationNbNo xmlns="8bbd4995-53b7-43e2-b62f-10947586ac31">Åpen</CorpDocClassificationNbNo>
+    <CorpSiteClassification xmlns="8bbd4995-53b7-43e2-b62f-10947586ac31">Åpen</CorpSiteClassification>
+    <CorpSiteInstituteEmail xmlns="8bbd4995-53b7-43e2-b62f-10947586ac31" xsi:nil="true"/>
+    <CorpSiteCoAuthors xmlns="8bbd4995-53b7-43e2-b62f-10947586ac31" xsi:nil="true"/>
+    <CorpSiteDocumentAuthor xmlns="8bbd4995-53b7-43e2-b62f-10947586ac31">
+      <UserInfo>
+        <DisplayName/>
+        <AccountId xsi:nil="true"/>
+        <AccountType/>
+      </UserInfo>
+    </CorpSiteDocumentAuthor>
+    <CorpSiteInstituteEnUs xmlns="8bbd4995-53b7-43e2-b62f-10947586ac31" xsi:nil="true"/>
+    <CorpSiteRecipientCompany xmlns="8bbd4995-53b7-43e2-b62f-10947586ac31" xsi:nil="true"/>
+    <CorpSiteDocLanguage xmlns="8bbd4995-53b7-43e2-b62f-10947586ac31" xsi:nil="true"/>
+    <CorpDocVersion xmlns="8bbd4995-53b7-43e2-b62f-10947586ac31" xsi:nil="true"/>
+    <CorpWorkflowApproval xmlns="8bbd4995-53b7-43e2-b62f-10947586ac31" xsi:nil="true"/>
+    <CorpSiteInstitute xmlns="51ef53f4-53cf-455a-a73c-7ce64f02d576" xsi:nil="true"/>
+    <ArchiveStatus xmlns="8bbd4995-53b7-43e2-b62f-10947586ac31" xsi:nil="true"/>
+    <CorpSiteProjectQA xmlns="8bbd4995-53b7-43e2-b62f-10947586ac31">
+      <UserInfo>
+        <DisplayName/>
+        <AccountId xsi:nil="true"/>
+        <AccountType/>
+      </UserInfo>
+    </CorpSiteProjectQA>
+    <CorpSiteZipAddress xmlns="8bbd4995-53b7-43e2-b62f-10947586ac31" xsi:nil="true"/>
+    <CorpSiteVATNumber xmlns="8bbd4995-53b7-43e2-b62f-10947586ac31" xsi:nil="true"/>
+    <CorpSiteReportNumber xmlns="8bbd4995-53b7-43e2-b62f-10947586ac31" xsi:nil="true"/>
+    <CorpSiteOurRef xmlns="8bbd4995-53b7-43e2-b62f-10947586ac31" xsi:nil="true"/>
+    <CorpDocPageClassificationEnUs xmlns="8bbd4995-53b7-43e2-b62f-10947586ac31">Unrestricted</CorpDocPageClassificationEnUs>
+  </documentManagement>
+</p:properties>
+</file>
+
+<file path=customXml/itemProps1.xml><?xml version="1.0" encoding="utf-8"?>
+<ds:datastoreItem xmlns:ds="http://schemas.openxmlformats.org/officeDocument/2006/customXml" ds:itemID="{D6B88459-D495-4B17-973B-E0028FFF2D71}"/>
+</file>
+
+<file path=customXml/itemProps2.xml><?xml version="1.0" encoding="utf-8"?>
+<ds:datastoreItem xmlns:ds="http://schemas.openxmlformats.org/officeDocument/2006/customXml" ds:itemID="{7E493824-ADE5-4709-9481-AB43ACE87614}"/>
+</file>
+
+<file path=customXml/itemProps3.xml><?xml version="1.0" encoding="utf-8"?>
+<ds:datastoreItem xmlns:ds="http://schemas.openxmlformats.org/officeDocument/2006/customXml" ds:itemID="{60503FF6-7F77-4D40-92C5-EFA46110B838}"/>
 </file>